--- a/Pokemon Presentation.pptx
+++ b/Pokemon Presentation.pptx
@@ -12,12 +12,16 @@
     <p:sldId id="260" r:id="rId6"/>
     <p:sldId id="261" r:id="rId7"/>
     <p:sldId id="262" r:id="rId8"/>
-    <p:sldId id="263" r:id="rId9"/>
-    <p:sldId id="268" r:id="rId10"/>
-    <p:sldId id="264" r:id="rId11"/>
-    <p:sldId id="267" r:id="rId12"/>
-    <p:sldId id="265" r:id="rId13"/>
-    <p:sldId id="269" r:id="rId14"/>
+    <p:sldId id="270" r:id="rId9"/>
+    <p:sldId id="263" r:id="rId10"/>
+    <p:sldId id="268" r:id="rId11"/>
+    <p:sldId id="271" r:id="rId12"/>
+    <p:sldId id="264" r:id="rId13"/>
+    <p:sldId id="267" r:id="rId14"/>
+    <p:sldId id="265" r:id="rId15"/>
+    <p:sldId id="272" r:id="rId16"/>
+    <p:sldId id="273" r:id="rId17"/>
+    <p:sldId id="269" r:id="rId18"/>
   </p:sldIdLst>
   <p:sldSz cx="9144000" cy="6858000" type="screen4x3"/>
   <p:notesSz cx="6858000" cy="9144000"/>
@@ -300,7 +304,7 @@
           <a:p>
             <a:fld id="{DFF5AA23-FB9D-1F46-AC75-C74489AB9CE5}" type="datetimeFigureOut">
               <a:rPr lang="en-US" smtClean="0"/>
-              <a:t>5/8/15</a:t>
+              <a:t>5/13/15</a:t>
             </a:fld>
             <a:endParaRPr lang="en-US"/>
           </a:p>
@@ -470,7 +474,7 @@
           <a:p>
             <a:fld id="{DFF5AA23-FB9D-1F46-AC75-C74489AB9CE5}" type="datetimeFigureOut">
               <a:rPr lang="en-US" smtClean="0"/>
-              <a:t>5/8/15</a:t>
+              <a:t>5/13/15</a:t>
             </a:fld>
             <a:endParaRPr lang="en-US"/>
           </a:p>
@@ -650,7 +654,7 @@
           <a:p>
             <a:fld id="{DFF5AA23-FB9D-1F46-AC75-C74489AB9CE5}" type="datetimeFigureOut">
               <a:rPr lang="en-US" smtClean="0"/>
-              <a:t>5/8/15</a:t>
+              <a:t>5/13/15</a:t>
             </a:fld>
             <a:endParaRPr lang="en-US"/>
           </a:p>
@@ -820,7 +824,7 @@
           <a:p>
             <a:fld id="{DFF5AA23-FB9D-1F46-AC75-C74489AB9CE5}" type="datetimeFigureOut">
               <a:rPr lang="en-US" smtClean="0"/>
-              <a:t>5/8/15</a:t>
+              <a:t>5/13/15</a:t>
             </a:fld>
             <a:endParaRPr lang="en-US"/>
           </a:p>
@@ -1066,7 +1070,7 @@
           <a:p>
             <a:fld id="{DFF5AA23-FB9D-1F46-AC75-C74489AB9CE5}" type="datetimeFigureOut">
               <a:rPr lang="en-US" smtClean="0"/>
-              <a:t>5/8/15</a:t>
+              <a:t>5/13/15</a:t>
             </a:fld>
             <a:endParaRPr lang="en-US"/>
           </a:p>
@@ -1354,7 +1358,7 @@
           <a:p>
             <a:fld id="{DFF5AA23-FB9D-1F46-AC75-C74489AB9CE5}" type="datetimeFigureOut">
               <a:rPr lang="en-US" smtClean="0"/>
-              <a:t>5/8/15</a:t>
+              <a:t>5/13/15</a:t>
             </a:fld>
             <a:endParaRPr lang="en-US"/>
           </a:p>
@@ -1776,7 +1780,7 @@
           <a:p>
             <a:fld id="{DFF5AA23-FB9D-1F46-AC75-C74489AB9CE5}" type="datetimeFigureOut">
               <a:rPr lang="en-US" smtClean="0"/>
-              <a:t>5/8/15</a:t>
+              <a:t>5/13/15</a:t>
             </a:fld>
             <a:endParaRPr lang="en-US"/>
           </a:p>
@@ -1894,7 +1898,7 @@
           <a:p>
             <a:fld id="{DFF5AA23-FB9D-1F46-AC75-C74489AB9CE5}" type="datetimeFigureOut">
               <a:rPr lang="en-US" smtClean="0"/>
-              <a:t>5/8/15</a:t>
+              <a:t>5/13/15</a:t>
             </a:fld>
             <a:endParaRPr lang="en-US"/>
           </a:p>
@@ -1989,7 +1993,7 @@
           <a:p>
             <a:fld id="{DFF5AA23-FB9D-1F46-AC75-C74489AB9CE5}" type="datetimeFigureOut">
               <a:rPr lang="en-US" smtClean="0"/>
-              <a:t>5/8/15</a:t>
+              <a:t>5/13/15</a:t>
             </a:fld>
             <a:endParaRPr lang="en-US"/>
           </a:p>
@@ -2266,7 +2270,7 @@
           <a:p>
             <a:fld id="{DFF5AA23-FB9D-1F46-AC75-C74489AB9CE5}" type="datetimeFigureOut">
               <a:rPr lang="en-US" smtClean="0"/>
-              <a:t>5/8/15</a:t>
+              <a:t>5/13/15</a:t>
             </a:fld>
             <a:endParaRPr lang="en-US"/>
           </a:p>
@@ -2519,7 +2523,7 @@
           <a:p>
             <a:fld id="{DFF5AA23-FB9D-1F46-AC75-C74489AB9CE5}" type="datetimeFigureOut">
               <a:rPr lang="en-US" smtClean="0"/>
-              <a:t>5/8/15</a:t>
+              <a:t>5/13/15</a:t>
             </a:fld>
             <a:endParaRPr lang="en-US"/>
           </a:p>
@@ -2732,7 +2736,7 @@
           <a:p>
             <a:fld id="{DFF5AA23-FB9D-1F46-AC75-C74489AB9CE5}" type="datetimeFigureOut">
               <a:rPr lang="en-US" smtClean="0"/>
-              <a:t>5/8/15</a:t>
+              <a:t>5/13/15</a:t>
             </a:fld>
             <a:endParaRPr lang="en-US"/>
           </a:p>
@@ -3297,36 +3301,6 @@
           <a:chExt cx="0" cy="0"/>
         </a:xfrm>
       </p:grpSpPr>
-      <p:pic>
-        <p:nvPicPr>
-          <p:cNvPr id="2" name="Content Placeholder 1" descr="Screen Shot 2015-05-08 at 1.39.28 PM.png"/>
-          <p:cNvPicPr>
-            <a:picLocks noGrp="1" noChangeAspect="1"/>
-          </p:cNvPicPr>
-          <p:nvPr>
-            <p:ph idx="1"/>
-          </p:nvPr>
-        </p:nvPicPr>
-        <p:blipFill>
-          <a:blip r:embed="rId2">
-            <a:extLst>
-              <a:ext uri="{28A0092B-C50C-407E-A947-70E740481C1C}">
-                <a14:useLocalDpi xmlns:a14="http://schemas.microsoft.com/office/drawing/2010/main" val="0"/>
-              </a:ext>
-            </a:extLst>
-          </a:blip>
-          <a:srcRect t="-31697" b="-31697"/>
-          <a:stretch>
-            <a:fillRect/>
-          </a:stretch>
-        </p:blipFill>
-        <p:spPr>
-          <a:xfrm>
-            <a:off x="3575050" y="1181100"/>
-            <a:ext cx="5270500" cy="5378450"/>
-          </a:xfrm>
-        </p:spPr>
-      </p:pic>
       <p:sp>
         <p:nvSpPr>
           <p:cNvPr id="6" name="Text Placeholder 5"/>
@@ -3350,8 +3324,16 @@
           <a:lstStyle/>
           <a:p>
             <a:r>
-              <a:rPr lang="en-US" sz="1800" b="1" u="sng" dirty="0" smtClean="0"/>
-              <a:t>Case C.) Bag</a:t>
+              <a:rPr lang="en-US" sz="2800" b="1" u="sng" dirty="0" smtClean="0"/>
+              <a:t>Case B.) </a:t>
+            </a:r>
+            <a:r>
+              <a:rPr lang="en-US" sz="2800" b="1" u="sng" dirty="0" err="1" smtClean="0"/>
+              <a:t>Pokemon</a:t>
+            </a:r>
+            <a:r>
+              <a:rPr lang="en-US" sz="2800" b="1" u="sng" dirty="0" smtClean="0"/>
+              <a:t> Party</a:t>
             </a:r>
           </a:p>
           <a:p>
@@ -3360,14 +3342,20 @@
               <a:buChar char="•"/>
             </a:pPr>
             <a:r>
-              <a:rPr lang="en-US" sz="1800" dirty="0" smtClean="0"/>
-              <a:t>Items class and its </a:t>
-            </a:r>
-            <a:r>
-              <a:rPr lang="en-US" sz="1800" dirty="0" err="1" smtClean="0"/>
+              <a:rPr lang="en-US" sz="2800" dirty="0" smtClean="0"/>
+              <a:t>Queue class and its </a:t>
+            </a:r>
+            <a:r>
+              <a:rPr lang="en-US" sz="2800" dirty="0" err="1" smtClean="0"/>
               <a:t>funtions</a:t>
             </a:r>
-            <a:endParaRPr lang="en-US" sz="1800" dirty="0"/>
+            <a:endParaRPr lang="en-US" sz="2800" dirty="0" smtClean="0"/>
+          </a:p>
+          <a:p>
+            <a:endParaRPr lang="en-US" sz="1800" b="1" u="sng" dirty="0"/>
+          </a:p>
+          <a:p>
+            <a:endParaRPr lang="en-US" sz="1800" b="1" u="sng" dirty="0" smtClean="0"/>
           </a:p>
         </p:txBody>
       </p:sp>
@@ -3380,7 +3368,7 @@
           <p:nvPr/>
         </p:nvPicPr>
         <p:blipFill>
-          <a:blip r:embed="rId3">
+          <a:blip r:embed="rId2">
             <a:extLst>
               <a:ext uri="{28A0092B-C50C-407E-A947-70E740481C1C}">
                 <a14:useLocalDpi xmlns:a14="http://schemas.microsoft.com/office/drawing/2010/main" val="0"/>
@@ -3401,10 +3389,35 @@
           </a:prstGeom>
         </p:spPr>
       </p:pic>
+      <p:pic>
+        <p:nvPicPr>
+          <p:cNvPr id="5" name="Content Placeholder 4" descr="Screen Shot 2015-05-08 at 2.00.41 PM.png"/>
+          <p:cNvPicPr>
+            <a:picLocks noGrp="1" noChangeAspect="1"/>
+          </p:cNvPicPr>
+          <p:nvPr>
+            <p:ph idx="1"/>
+          </p:nvPr>
+        </p:nvPicPr>
+        <p:blipFill>
+          <a:blip r:embed="rId3">
+            <a:extLst>
+              <a:ext uri="{28A0092B-C50C-407E-A947-70E740481C1C}">
+                <a14:useLocalDpi xmlns:a14="http://schemas.microsoft.com/office/drawing/2010/main" val="0"/>
+              </a:ext>
+            </a:extLst>
+          </a:blip>
+          <a:srcRect t="-26491" b="-26491"/>
+          <a:stretch>
+            <a:fillRect/>
+          </a:stretch>
+        </p:blipFill>
+        <p:spPr/>
+      </p:pic>
     </p:spTree>
     <p:extLst>
       <p:ext uri="{BB962C8B-B14F-4D97-AF65-F5344CB8AC3E}">
-        <p14:creationId xmlns:p14="http://schemas.microsoft.com/office/powerpoint/2010/main" val="1948076481"/>
+        <p14:creationId xmlns:p14="http://schemas.microsoft.com/office/powerpoint/2010/main" val="2106506496"/>
       </p:ext>
     </p:extLst>
   </p:cSld>
@@ -3450,8 +3463,8 @@
         </p:nvSpPr>
         <p:spPr>
           <a:xfrm>
-            <a:off x="231914" y="1181652"/>
-            <a:ext cx="3233600" cy="5378173"/>
+            <a:off x="231914" y="1181653"/>
+            <a:ext cx="3233600" cy="1896827"/>
           </a:xfrm>
         </p:spPr>
         <p:txBody>
@@ -3461,8 +3474,16 @@
           <a:lstStyle/>
           <a:p>
             <a:r>
-              <a:rPr lang="en-US" sz="2400" b="1" u="sng" dirty="0" smtClean="0"/>
-              <a:t>Case C.) Bag</a:t>
+              <a:rPr lang="en-US" sz="2800" b="1" u="sng" dirty="0" smtClean="0"/>
+              <a:t>Case B.) </a:t>
+            </a:r>
+            <a:r>
+              <a:rPr lang="en-US" sz="2800" b="1" u="sng" dirty="0" err="1" smtClean="0"/>
+              <a:t>Pokemon</a:t>
+            </a:r>
+            <a:r>
+              <a:rPr lang="en-US" sz="2800" b="1" u="sng" dirty="0" smtClean="0"/>
+              <a:t> Party</a:t>
             </a:r>
           </a:p>
           <a:p>
@@ -3471,8 +3492,12 @@
               <a:buChar char="•"/>
             </a:pPr>
             <a:r>
-              <a:rPr lang="en-US" sz="2400" dirty="0" smtClean="0"/>
-              <a:t>The implementation of the functions used in the items class. </a:t>
+              <a:rPr lang="en-US" sz="2800" dirty="0" smtClean="0"/>
+              <a:t>Queue </a:t>
+            </a:r>
+            <a:r>
+              <a:rPr lang="en-US" sz="2800" dirty="0" smtClean="0"/>
+              <a:t>Implementation</a:t>
             </a:r>
           </a:p>
           <a:p>
@@ -3480,11 +3505,13 @@
               <a:buFont typeface="Arial"/>
               <a:buChar char="•"/>
             </a:pPr>
-            <a:r>
-              <a:rPr lang="en-US" sz="2400" dirty="0" smtClean="0"/>
-              <a:t>Last function adds items and the quantity to some items.</a:t>
-            </a:r>
-            <a:endParaRPr lang="en-US" sz="2400" dirty="0"/>
+            <a:endParaRPr lang="en-US" sz="2800" dirty="0" smtClean="0"/>
+          </a:p>
+          <a:p>
+            <a:endParaRPr lang="en-US" sz="1800" b="1" u="sng" dirty="0"/>
+          </a:p>
+          <a:p>
+            <a:endParaRPr lang="en-US" sz="1800" b="1" u="sng" dirty="0" smtClean="0"/>
           </a:p>
         </p:txBody>
       </p:sp>
@@ -3520,7 +3547,7 @@
       </p:pic>
       <p:pic>
         <p:nvPicPr>
-          <p:cNvPr id="5" name="Content Placeholder 4" descr="Screen Shot 2015-05-08 at 1.39.18 PM.png"/>
+          <p:cNvPr id="3" name="Content Placeholder 2" descr="Screen Shot 2015-05-13 at 9.53.46 AM.png"/>
           <p:cNvPicPr>
             <a:picLocks noGrp="1" noChangeAspect="1"/>
           </p:cNvPicPr>
@@ -3536,22 +3563,52 @@
               </a:ext>
             </a:extLst>
           </a:blip>
-          <a:srcRect t="-12479" b="-12479"/>
+          <a:srcRect l="-4012" r="-4012"/>
           <a:stretch>
             <a:fillRect/>
           </a:stretch>
         </p:blipFill>
         <p:spPr>
           <a:xfrm>
-            <a:off x="3839210" y="818472"/>
-            <a:ext cx="5111750" cy="5853113"/>
-          </a:xfrm>
+            <a:off x="4276090" y="1400811"/>
+            <a:ext cx="4215842" cy="4827270"/>
+          </a:xfrm>
+        </p:spPr>
+      </p:pic>
+      <p:pic>
+        <p:nvPicPr>
+          <p:cNvPr id="7" name="Picture 6" descr="Screen Shot 2015-05-13 at 9.53.36 AM.png"/>
+          <p:cNvPicPr>
+            <a:picLocks noChangeAspect="1"/>
+          </p:cNvPicPr>
+          <p:nvPr/>
+        </p:nvPicPr>
+        <p:blipFill>
+          <a:blip r:embed="rId4">
+            <a:extLst>
+              <a:ext uri="{28A0092B-C50C-407E-A947-70E740481C1C}">
+                <a14:useLocalDpi xmlns:a14="http://schemas.microsoft.com/office/drawing/2010/main" val="0"/>
+              </a:ext>
+            </a:extLst>
+          </a:blip>
+          <a:stretch>
+            <a:fillRect/>
+          </a:stretch>
+        </p:blipFill>
+        <p:spPr>
+          <a:xfrm>
+            <a:off x="404902" y="3078480"/>
+            <a:ext cx="3060612" cy="3698239"/>
+          </a:xfrm>
+          <a:prstGeom prst="rect">
+            <a:avLst/>
+          </a:prstGeom>
         </p:spPr>
       </p:pic>
     </p:spTree>
     <p:extLst>
       <p:ext uri="{BB962C8B-B14F-4D97-AF65-F5344CB8AC3E}">
-        <p14:creationId xmlns:p14="http://schemas.microsoft.com/office/powerpoint/2010/main" val="1284746422"/>
+        <p14:creationId xmlns:p14="http://schemas.microsoft.com/office/powerpoint/2010/main" val="4287036487"/>
       </p:ext>
     </p:extLst>
   </p:cSld>
@@ -3587,6 +3644,294 @@
       </p:grpSpPr>
       <p:pic>
         <p:nvPicPr>
+          <p:cNvPr id="2" name="Content Placeholder 1" descr="Screen Shot 2015-05-08 at 1.39.28 PM.png"/>
+          <p:cNvPicPr>
+            <a:picLocks noGrp="1" noChangeAspect="1"/>
+          </p:cNvPicPr>
+          <p:nvPr>
+            <p:ph idx="1"/>
+          </p:nvPr>
+        </p:nvPicPr>
+        <p:blipFill>
+          <a:blip r:embed="rId2">
+            <a:extLst>
+              <a:ext uri="{28A0092B-C50C-407E-A947-70E740481C1C}">
+                <a14:useLocalDpi xmlns:a14="http://schemas.microsoft.com/office/drawing/2010/main" val="0"/>
+              </a:ext>
+            </a:extLst>
+          </a:blip>
+          <a:srcRect t="-31697" b="-31697"/>
+          <a:stretch>
+            <a:fillRect/>
+          </a:stretch>
+        </p:blipFill>
+        <p:spPr>
+          <a:xfrm>
+            <a:off x="3575050" y="1181100"/>
+            <a:ext cx="5270500" cy="5378450"/>
+          </a:xfrm>
+        </p:spPr>
+      </p:pic>
+      <p:sp>
+        <p:nvSpPr>
+          <p:cNvPr id="6" name="Text Placeholder 5"/>
+          <p:cNvSpPr>
+            <a:spLocks noGrp="1"/>
+          </p:cNvSpPr>
+          <p:nvPr>
+            <p:ph type="body" sz="half" idx="2"/>
+          </p:nvPr>
+        </p:nvSpPr>
+        <p:spPr>
+          <a:xfrm>
+            <a:off x="231914" y="1181652"/>
+            <a:ext cx="3233600" cy="5378173"/>
+          </a:xfrm>
+        </p:spPr>
+        <p:txBody>
+          <a:bodyPr>
+            <a:normAutofit/>
+          </a:bodyPr>
+          <a:lstStyle/>
+          <a:p>
+            <a:r>
+              <a:rPr lang="en-US" sz="1800" b="1" u="sng" dirty="0" smtClean="0"/>
+              <a:t>Case C.) Bag</a:t>
+            </a:r>
+          </a:p>
+          <a:p>
+            <a:pPr marL="285750" indent="-285750">
+              <a:buFont typeface="Arial"/>
+              <a:buChar char="•"/>
+            </a:pPr>
+            <a:r>
+              <a:rPr lang="en-US" sz="1800" dirty="0" smtClean="0"/>
+              <a:t>Items class and its </a:t>
+            </a:r>
+            <a:r>
+              <a:rPr lang="en-US" sz="1800" dirty="0" err="1" smtClean="0"/>
+              <a:t>funtions</a:t>
+            </a:r>
+            <a:endParaRPr lang="en-US" sz="1800" dirty="0"/>
+          </a:p>
+        </p:txBody>
+      </p:sp>
+      <p:pic>
+        <p:nvPicPr>
+          <p:cNvPr id="4" name="Picture 3" descr="English_Pokémon_logo.svg.png"/>
+          <p:cNvPicPr>
+            <a:picLocks noChangeAspect="1"/>
+          </p:cNvPicPr>
+          <p:nvPr/>
+        </p:nvPicPr>
+        <p:blipFill>
+          <a:blip r:embed="rId3">
+            <a:extLst>
+              <a:ext uri="{28A0092B-C50C-407E-A947-70E740481C1C}">
+                <a14:useLocalDpi xmlns:a14="http://schemas.microsoft.com/office/drawing/2010/main" val="0"/>
+              </a:ext>
+            </a:extLst>
+          </a:blip>
+          <a:stretch>
+            <a:fillRect/>
+          </a:stretch>
+        </p:blipFill>
+        <p:spPr>
+          <a:xfrm>
+            <a:off x="3324957" y="177800"/>
+            <a:ext cx="2439739" cy="897897"/>
+          </a:xfrm>
+          <a:prstGeom prst="rect">
+            <a:avLst/>
+          </a:prstGeom>
+        </p:spPr>
+      </p:pic>
+    </p:spTree>
+    <p:extLst>
+      <p:ext uri="{BB962C8B-B14F-4D97-AF65-F5344CB8AC3E}">
+        <p14:creationId xmlns:p14="http://schemas.microsoft.com/office/powerpoint/2010/main" val="1948076481"/>
+      </p:ext>
+    </p:extLst>
+  </p:cSld>
+  <p:clrMapOvr>
+    <a:masterClrMapping/>
+  </p:clrMapOvr>
+  <p:timing>
+    <p:tnLst>
+      <p:par>
+        <p:cTn xmlns:p14="http://schemas.microsoft.com/office/powerpoint/2010/main" id="1" dur="indefinite" restart="never" nodeType="tmRoot"/>
+      </p:par>
+    </p:tnLst>
+  </p:timing>
+</p:sld>
+</file>
+
+<file path=ppt/slides/slide13.xml><?xml version="1.0" encoding="utf-8"?>
+<p:sld xmlns:a="http://schemas.openxmlformats.org/drawingml/2006/main" xmlns:r="http://schemas.openxmlformats.org/officeDocument/2006/relationships" xmlns:p="http://schemas.openxmlformats.org/presentationml/2006/main">
+  <p:cSld>
+    <p:spTree>
+      <p:nvGrpSpPr>
+        <p:cNvPr id="1" name=""/>
+        <p:cNvGrpSpPr/>
+        <p:nvPr/>
+      </p:nvGrpSpPr>
+      <p:grpSpPr>
+        <a:xfrm>
+          <a:off x="0" y="0"/>
+          <a:ext cx="0" cy="0"/>
+          <a:chOff x="0" y="0"/>
+          <a:chExt cx="0" cy="0"/>
+        </a:xfrm>
+      </p:grpSpPr>
+      <p:sp>
+        <p:nvSpPr>
+          <p:cNvPr id="6" name="Text Placeholder 5"/>
+          <p:cNvSpPr>
+            <a:spLocks noGrp="1"/>
+          </p:cNvSpPr>
+          <p:nvPr>
+            <p:ph type="body" sz="half" idx="2"/>
+          </p:nvPr>
+        </p:nvSpPr>
+        <p:spPr>
+          <a:xfrm>
+            <a:off x="231914" y="1181652"/>
+            <a:ext cx="3233600" cy="5378173"/>
+          </a:xfrm>
+        </p:spPr>
+        <p:txBody>
+          <a:bodyPr>
+            <a:normAutofit/>
+          </a:bodyPr>
+          <a:lstStyle/>
+          <a:p>
+            <a:r>
+              <a:rPr lang="en-US" sz="2400" b="1" u="sng" dirty="0" smtClean="0"/>
+              <a:t>Case C.) Bag</a:t>
+            </a:r>
+          </a:p>
+          <a:p>
+            <a:pPr marL="285750" indent="-285750">
+              <a:buFont typeface="Arial"/>
+              <a:buChar char="•"/>
+            </a:pPr>
+            <a:r>
+              <a:rPr lang="en-US" sz="2400" dirty="0" smtClean="0"/>
+              <a:t>The implementation of the functions used in the items class. </a:t>
+            </a:r>
+          </a:p>
+          <a:p>
+            <a:pPr marL="285750" indent="-285750">
+              <a:buFont typeface="Arial"/>
+              <a:buChar char="•"/>
+            </a:pPr>
+            <a:r>
+              <a:rPr lang="en-US" sz="2400" dirty="0" smtClean="0"/>
+              <a:t>Last function adds items and the quantity to some items.</a:t>
+            </a:r>
+            <a:endParaRPr lang="en-US" sz="2400" dirty="0"/>
+          </a:p>
+        </p:txBody>
+      </p:sp>
+      <p:pic>
+        <p:nvPicPr>
+          <p:cNvPr id="4" name="Picture 3" descr="English_Pokémon_logo.svg.png"/>
+          <p:cNvPicPr>
+            <a:picLocks noChangeAspect="1"/>
+          </p:cNvPicPr>
+          <p:nvPr/>
+        </p:nvPicPr>
+        <p:blipFill>
+          <a:blip r:embed="rId2">
+            <a:extLst>
+              <a:ext uri="{28A0092B-C50C-407E-A947-70E740481C1C}">
+                <a14:useLocalDpi xmlns:a14="http://schemas.microsoft.com/office/drawing/2010/main" val="0"/>
+              </a:ext>
+            </a:extLst>
+          </a:blip>
+          <a:stretch>
+            <a:fillRect/>
+          </a:stretch>
+        </p:blipFill>
+        <p:spPr>
+          <a:xfrm>
+            <a:off x="3324957" y="177800"/>
+            <a:ext cx="2439739" cy="897897"/>
+          </a:xfrm>
+          <a:prstGeom prst="rect">
+            <a:avLst/>
+          </a:prstGeom>
+        </p:spPr>
+      </p:pic>
+      <p:pic>
+        <p:nvPicPr>
+          <p:cNvPr id="5" name="Content Placeholder 4" descr="Screen Shot 2015-05-08 at 1.39.18 PM.png"/>
+          <p:cNvPicPr>
+            <a:picLocks noGrp="1" noChangeAspect="1"/>
+          </p:cNvPicPr>
+          <p:nvPr>
+            <p:ph idx="1"/>
+          </p:nvPr>
+        </p:nvPicPr>
+        <p:blipFill>
+          <a:blip r:embed="rId3">
+            <a:extLst>
+              <a:ext uri="{28A0092B-C50C-407E-A947-70E740481C1C}">
+                <a14:useLocalDpi xmlns:a14="http://schemas.microsoft.com/office/drawing/2010/main" val="0"/>
+              </a:ext>
+            </a:extLst>
+          </a:blip>
+          <a:srcRect t="-12479" b="-12479"/>
+          <a:stretch>
+            <a:fillRect/>
+          </a:stretch>
+        </p:blipFill>
+        <p:spPr>
+          <a:xfrm>
+            <a:off x="3839210" y="818472"/>
+            <a:ext cx="5111750" cy="5853113"/>
+          </a:xfrm>
+        </p:spPr>
+      </p:pic>
+    </p:spTree>
+    <p:extLst>
+      <p:ext uri="{BB962C8B-B14F-4D97-AF65-F5344CB8AC3E}">
+        <p14:creationId xmlns:p14="http://schemas.microsoft.com/office/powerpoint/2010/main" val="1284746422"/>
+      </p:ext>
+    </p:extLst>
+  </p:cSld>
+  <p:clrMapOvr>
+    <a:masterClrMapping/>
+  </p:clrMapOvr>
+  <p:timing>
+    <p:tnLst>
+      <p:par>
+        <p:cTn xmlns:p14="http://schemas.microsoft.com/office/powerpoint/2010/main" id="1" dur="indefinite" restart="never" nodeType="tmRoot"/>
+      </p:par>
+    </p:tnLst>
+  </p:timing>
+</p:sld>
+</file>
+
+<file path=ppt/slides/slide14.xml><?xml version="1.0" encoding="utf-8"?>
+<p:sld xmlns:a="http://schemas.openxmlformats.org/drawingml/2006/main" xmlns:r="http://schemas.openxmlformats.org/officeDocument/2006/relationships" xmlns:p="http://schemas.openxmlformats.org/presentationml/2006/main">
+  <p:cSld>
+    <p:spTree>
+      <p:nvGrpSpPr>
+        <p:cNvPr id="1" name=""/>
+        <p:cNvGrpSpPr/>
+        <p:nvPr/>
+      </p:nvGrpSpPr>
+      <p:grpSpPr>
+        <a:xfrm>
+          <a:off x="0" y="0"/>
+          <a:ext cx="0" cy="0"/>
+          <a:chOff x="0" y="0"/>
+          <a:chExt cx="0" cy="0"/>
+        </a:xfrm>
+      </p:grpSpPr>
+      <p:pic>
+        <p:nvPicPr>
           <p:cNvPr id="2" name="Content Placeholder 1" descr="Screen Shot 2015-05-08 at 1.42.48 PM.png"/>
           <p:cNvPicPr>
             <a:picLocks noGrp="1" noChangeAspect="1"/>
@@ -3713,7 +4058,346 @@
 </p:sld>
 </file>
 
-<file path=ppt/slides/slide13.xml><?xml version="1.0" encoding="utf-8"?>
+<file path=ppt/slides/slide15.xml><?xml version="1.0" encoding="utf-8"?>
+<p:sld xmlns:a="http://schemas.openxmlformats.org/drawingml/2006/main" xmlns:r="http://schemas.openxmlformats.org/officeDocument/2006/relationships" xmlns:p="http://schemas.openxmlformats.org/presentationml/2006/main">
+  <p:cSld>
+    <p:spTree>
+      <p:nvGrpSpPr>
+        <p:cNvPr id="1" name=""/>
+        <p:cNvGrpSpPr/>
+        <p:nvPr/>
+      </p:nvGrpSpPr>
+      <p:grpSpPr>
+        <a:xfrm>
+          <a:off x="0" y="0"/>
+          <a:ext cx="0" cy="0"/>
+          <a:chOff x="0" y="0"/>
+          <a:chExt cx="0" cy="0"/>
+        </a:xfrm>
+      </p:grpSpPr>
+      <p:sp>
+        <p:nvSpPr>
+          <p:cNvPr id="6" name="Text Placeholder 5"/>
+          <p:cNvSpPr>
+            <a:spLocks noGrp="1"/>
+          </p:cNvSpPr>
+          <p:nvPr>
+            <p:ph type="body" sz="half" idx="2"/>
+          </p:nvPr>
+        </p:nvSpPr>
+        <p:spPr>
+          <a:xfrm>
+            <a:off x="231914" y="1181652"/>
+            <a:ext cx="3233600" cy="5378173"/>
+          </a:xfrm>
+        </p:spPr>
+        <p:txBody>
+          <a:bodyPr>
+            <a:normAutofit/>
+          </a:bodyPr>
+          <a:lstStyle/>
+          <a:p>
+            <a:r>
+              <a:rPr lang="en-US" sz="1800" b="1" u="sng" dirty="0" smtClean="0"/>
+              <a:t>Case </a:t>
+            </a:r>
+            <a:r>
+              <a:rPr lang="en-US" sz="1800" b="1" u="sng" dirty="0" smtClean="0"/>
+              <a:t>E.</a:t>
+            </a:r>
+            <a:r>
+              <a:rPr lang="en-US" sz="1800" b="1" u="sng" dirty="0" smtClean="0"/>
+              <a:t>) </a:t>
+            </a:r>
+            <a:r>
+              <a:rPr lang="en-US" sz="1800" b="1" u="sng" dirty="0" smtClean="0"/>
+              <a:t>Display By Type</a:t>
+            </a:r>
+          </a:p>
+          <a:p>
+            <a:pPr marL="285750" indent="-285750">
+              <a:buFont typeface="Arial"/>
+              <a:buChar char="•"/>
+            </a:pPr>
+            <a:r>
+              <a:rPr lang="en-US" sz="1800" dirty="0" smtClean="0"/>
+              <a:t>Here is our hash class, which display a </a:t>
+            </a:r>
+            <a:r>
+              <a:rPr lang="en-US" sz="1800" dirty="0" err="1" smtClean="0"/>
+              <a:t>secific</a:t>
+            </a:r>
+            <a:r>
+              <a:rPr lang="en-US" sz="1800" dirty="0" smtClean="0"/>
+              <a:t> type of </a:t>
+            </a:r>
+            <a:r>
+              <a:rPr lang="en-US" sz="1800" dirty="0" err="1" smtClean="0"/>
+              <a:t>pokemon</a:t>
+            </a:r>
+            <a:r>
+              <a:rPr lang="en-US" sz="1800" dirty="0" smtClean="0"/>
+              <a:t> using hash functions</a:t>
+            </a:r>
+            <a:endParaRPr lang="en-US" sz="1800" dirty="0" smtClean="0"/>
+          </a:p>
+        </p:txBody>
+      </p:sp>
+      <p:pic>
+        <p:nvPicPr>
+          <p:cNvPr id="4" name="Picture 3" descr="English_Pokémon_logo.svg.png"/>
+          <p:cNvPicPr>
+            <a:picLocks noChangeAspect="1"/>
+          </p:cNvPicPr>
+          <p:nvPr/>
+        </p:nvPicPr>
+        <p:blipFill>
+          <a:blip r:embed="rId2">
+            <a:extLst>
+              <a:ext uri="{28A0092B-C50C-407E-A947-70E740481C1C}">
+                <a14:useLocalDpi xmlns:a14="http://schemas.microsoft.com/office/drawing/2010/main" val="0"/>
+              </a:ext>
+            </a:extLst>
+          </a:blip>
+          <a:stretch>
+            <a:fillRect/>
+          </a:stretch>
+        </p:blipFill>
+        <p:spPr>
+          <a:xfrm>
+            <a:off x="3324957" y="177800"/>
+            <a:ext cx="2439739" cy="897897"/>
+          </a:xfrm>
+          <a:prstGeom prst="rect">
+            <a:avLst/>
+          </a:prstGeom>
+        </p:spPr>
+      </p:pic>
+      <p:pic>
+        <p:nvPicPr>
+          <p:cNvPr id="5" name="Content Placeholder 4" descr="Screen Shot 2015-05-13 at 9.58.20 AM.png"/>
+          <p:cNvPicPr>
+            <a:picLocks noGrp="1" noChangeAspect="1"/>
+          </p:cNvPicPr>
+          <p:nvPr>
+            <p:ph idx="1"/>
+          </p:nvPr>
+        </p:nvPicPr>
+        <p:blipFill>
+          <a:blip r:embed="rId3">
+            <a:extLst>
+              <a:ext uri="{28A0092B-C50C-407E-A947-70E740481C1C}">
+                <a14:useLocalDpi xmlns:a14="http://schemas.microsoft.com/office/drawing/2010/main" val="0"/>
+              </a:ext>
+            </a:extLst>
+          </a:blip>
+          <a:srcRect t="-72357" b="-72357"/>
+          <a:stretch>
+            <a:fillRect/>
+          </a:stretch>
+        </p:blipFill>
+        <p:spPr/>
+      </p:pic>
+    </p:spTree>
+    <p:extLst>
+      <p:ext uri="{BB962C8B-B14F-4D97-AF65-F5344CB8AC3E}">
+        <p14:creationId xmlns:p14="http://schemas.microsoft.com/office/powerpoint/2010/main" val="3156336953"/>
+      </p:ext>
+    </p:extLst>
+  </p:cSld>
+  <p:clrMapOvr>
+    <a:masterClrMapping/>
+  </p:clrMapOvr>
+  <p:timing>
+    <p:tnLst>
+      <p:par>
+        <p:cTn xmlns:p14="http://schemas.microsoft.com/office/powerpoint/2010/main" id="1" dur="indefinite" restart="never" nodeType="tmRoot"/>
+      </p:par>
+    </p:tnLst>
+  </p:timing>
+</p:sld>
+</file>
+
+<file path=ppt/slides/slide16.xml><?xml version="1.0" encoding="utf-8"?>
+<p:sld xmlns:a="http://schemas.openxmlformats.org/drawingml/2006/main" xmlns:r="http://schemas.openxmlformats.org/officeDocument/2006/relationships" xmlns:p="http://schemas.openxmlformats.org/presentationml/2006/main">
+  <p:cSld>
+    <p:spTree>
+      <p:nvGrpSpPr>
+        <p:cNvPr id="1" name=""/>
+        <p:cNvGrpSpPr/>
+        <p:nvPr/>
+      </p:nvGrpSpPr>
+      <p:grpSpPr>
+        <a:xfrm>
+          <a:off x="0" y="0"/>
+          <a:ext cx="0" cy="0"/>
+          <a:chOff x="0" y="0"/>
+          <a:chExt cx="0" cy="0"/>
+        </a:xfrm>
+      </p:grpSpPr>
+      <p:sp>
+        <p:nvSpPr>
+          <p:cNvPr id="6" name="Text Placeholder 5"/>
+          <p:cNvSpPr>
+            <a:spLocks noGrp="1"/>
+          </p:cNvSpPr>
+          <p:nvPr>
+            <p:ph type="body" sz="half" idx="2"/>
+          </p:nvPr>
+        </p:nvSpPr>
+        <p:spPr>
+          <a:xfrm>
+            <a:off x="231914" y="1181652"/>
+            <a:ext cx="3233600" cy="5378173"/>
+          </a:xfrm>
+        </p:spPr>
+        <p:txBody>
+          <a:bodyPr>
+            <a:normAutofit/>
+          </a:bodyPr>
+          <a:lstStyle/>
+          <a:p>
+            <a:r>
+              <a:rPr lang="en-US" sz="1800" b="1" u="sng" dirty="0" smtClean="0"/>
+              <a:t>Case </a:t>
+            </a:r>
+            <a:r>
+              <a:rPr lang="en-US" sz="1800" b="1" u="sng" dirty="0" smtClean="0"/>
+              <a:t>E.</a:t>
+            </a:r>
+            <a:r>
+              <a:rPr lang="en-US" sz="1800" b="1" u="sng" dirty="0" smtClean="0"/>
+              <a:t>) </a:t>
+            </a:r>
+            <a:r>
+              <a:rPr lang="en-US" sz="1800" b="1" u="sng" dirty="0" smtClean="0"/>
+              <a:t>Display By Type</a:t>
+            </a:r>
+          </a:p>
+          <a:p>
+            <a:pPr marL="285750" indent="-285750">
+              <a:buFont typeface="Arial"/>
+              <a:buChar char="•"/>
+            </a:pPr>
+            <a:r>
+              <a:rPr lang="en-US" sz="1800" dirty="0" smtClean="0"/>
+              <a:t>Hash Implementation</a:t>
+            </a:r>
+            <a:endParaRPr lang="en-US" sz="1800" dirty="0" smtClean="0"/>
+          </a:p>
+        </p:txBody>
+      </p:sp>
+      <p:pic>
+        <p:nvPicPr>
+          <p:cNvPr id="4" name="Picture 3" descr="English_Pokémon_logo.svg.png"/>
+          <p:cNvPicPr>
+            <a:picLocks noChangeAspect="1"/>
+          </p:cNvPicPr>
+          <p:nvPr/>
+        </p:nvPicPr>
+        <p:blipFill>
+          <a:blip r:embed="rId2">
+            <a:extLst>
+              <a:ext uri="{28A0092B-C50C-407E-A947-70E740481C1C}">
+                <a14:useLocalDpi xmlns:a14="http://schemas.microsoft.com/office/drawing/2010/main" val="0"/>
+              </a:ext>
+            </a:extLst>
+          </a:blip>
+          <a:stretch>
+            <a:fillRect/>
+          </a:stretch>
+        </p:blipFill>
+        <p:spPr>
+          <a:xfrm>
+            <a:off x="3324957" y="177800"/>
+            <a:ext cx="2439739" cy="897897"/>
+          </a:xfrm>
+          <a:prstGeom prst="rect">
+            <a:avLst/>
+          </a:prstGeom>
+        </p:spPr>
+      </p:pic>
+      <p:pic>
+        <p:nvPicPr>
+          <p:cNvPr id="7" name="Content Placeholder 6" descr="Screen Shot 2015-05-13 at 9.58.39 AM.png"/>
+          <p:cNvPicPr>
+            <a:picLocks noGrp="1" noChangeAspect="1"/>
+          </p:cNvPicPr>
+          <p:nvPr>
+            <p:ph idx="1"/>
+          </p:nvPr>
+        </p:nvPicPr>
+        <p:blipFill>
+          <a:blip r:embed="rId3">
+            <a:extLst>
+              <a:ext uri="{28A0092B-C50C-407E-A947-70E740481C1C}">
+                <a14:useLocalDpi xmlns:a14="http://schemas.microsoft.com/office/drawing/2010/main" val="0"/>
+              </a:ext>
+            </a:extLst>
+          </a:blip>
+          <a:srcRect t="-16639" b="-16639"/>
+          <a:stretch>
+            <a:fillRect/>
+          </a:stretch>
+        </p:blipFill>
+        <p:spPr>
+          <a:xfrm>
+            <a:off x="4114800" y="1563053"/>
+            <a:ext cx="4439906" cy="5294947"/>
+          </a:xfrm>
+        </p:spPr>
+      </p:pic>
+      <p:pic>
+        <p:nvPicPr>
+          <p:cNvPr id="3" name="Picture 2" descr="Screen Shot 2015-05-13 at 9.58.30 AM.png"/>
+          <p:cNvPicPr>
+            <a:picLocks noChangeAspect="1"/>
+          </p:cNvPicPr>
+          <p:nvPr/>
+        </p:nvPicPr>
+        <p:blipFill>
+          <a:blip r:embed="rId4">
+            <a:extLst>
+              <a:ext uri="{28A0092B-C50C-407E-A947-70E740481C1C}">
+                <a14:useLocalDpi xmlns:a14="http://schemas.microsoft.com/office/drawing/2010/main" val="0"/>
+              </a:ext>
+            </a:extLst>
+          </a:blip>
+          <a:stretch>
+            <a:fillRect/>
+          </a:stretch>
+        </p:blipFill>
+        <p:spPr>
+          <a:xfrm>
+            <a:off x="307732" y="1875756"/>
+            <a:ext cx="3542908" cy="4684069"/>
+          </a:xfrm>
+          <a:prstGeom prst="rect">
+            <a:avLst/>
+          </a:prstGeom>
+        </p:spPr>
+      </p:pic>
+    </p:spTree>
+    <p:extLst>
+      <p:ext uri="{BB962C8B-B14F-4D97-AF65-F5344CB8AC3E}">
+        <p14:creationId xmlns:p14="http://schemas.microsoft.com/office/powerpoint/2010/main" val="1200261433"/>
+      </p:ext>
+    </p:extLst>
+  </p:cSld>
+  <p:clrMapOvr>
+    <a:masterClrMapping/>
+  </p:clrMapOvr>
+  <p:timing>
+    <p:tnLst>
+      <p:par>
+        <p:cTn xmlns:p14="http://schemas.microsoft.com/office/powerpoint/2010/main" id="1" dur="indefinite" restart="never" nodeType="tmRoot"/>
+      </p:par>
+    </p:tnLst>
+  </p:timing>
+</p:sld>
+</file>
+
+<file path=ppt/slides/slide17.xml><?xml version="1.0" encoding="utf-8"?>
 <p:sld xmlns:a="http://schemas.openxmlformats.org/drawingml/2006/main" xmlns:r="http://schemas.openxmlformats.org/officeDocument/2006/relationships" xmlns:p="http://schemas.openxmlformats.org/presentationml/2006/main">
   <p:cSld>
     <p:spTree>
@@ -4144,7 +4828,7 @@
       </p:pic>
       <p:pic>
         <p:nvPicPr>
-          <p:cNvPr id="3" name="Content Placeholder 2" descr="Screen Shot 2015-05-08 at 1.02.43 PM.png"/>
+          <p:cNvPr id="5" name="Content Placeholder 4" descr="Screen Shot 2015-05-13 at 9.42.41 AM.png"/>
           <p:cNvPicPr>
             <a:picLocks noGrp="1" noChangeAspect="1"/>
           </p:cNvPicPr>
@@ -4160,15 +4844,15 @@
               </a:ext>
             </a:extLst>
           </a:blip>
-          <a:srcRect t="-27540" b="-27540"/>
+          <a:srcRect t="-14839" b="-14839"/>
           <a:stretch>
             <a:fillRect/>
           </a:stretch>
         </p:blipFill>
         <p:spPr>
           <a:xfrm>
-            <a:off x="3685485" y="0"/>
-            <a:ext cx="5458515" cy="7762796"/>
+            <a:off x="3575050" y="706712"/>
+            <a:ext cx="5111750" cy="5853113"/>
           </a:xfrm>
         </p:spPr>
       </p:pic>
@@ -4276,16 +4960,25 @@
             </a:pPr>
             <a:r>
               <a:rPr lang="en-US" sz="2400" dirty="0" smtClean="0"/>
-              <a:t>When case A is selected, our program builds the </a:t>
+              <a:t>When th</a:t>
+            </a:r>
+            <a:r>
+              <a:rPr lang="en-US" sz="2400" dirty="0" smtClean="0"/>
+              <a:t>e program starts, and the </a:t>
+            </a:r>
+            <a:r>
+              <a:rPr lang="en-US" sz="2400" dirty="0" err="1" smtClean="0"/>
+              <a:t>Pokemon</a:t>
+            </a:r>
+            <a:r>
+              <a:rPr lang="en-US" sz="2400" dirty="0" smtClean="0"/>
+              <a:t> class is defined in main, this will build our </a:t>
             </a:r>
             <a:r>
               <a:rPr lang="en-US" sz="2400" dirty="0" err="1" smtClean="0"/>
               <a:t>pokedex</a:t>
             </a:r>
-            <a:r>
-              <a:rPr lang="en-US" sz="2400" dirty="0" smtClean="0"/>
-              <a:t> using a binary tree</a:t>
-            </a:r>
+            <a:endParaRPr lang="en-US" sz="2400" dirty="0" smtClean="0"/>
           </a:p>
           <a:p>
             <a:pPr marL="285750" indent="-285750">
@@ -4294,7 +4987,11 @@
             </a:pPr>
             <a:r>
               <a:rPr lang="en-US" sz="2400" dirty="0" smtClean="0"/>
-              <a:t>It will grab the name of each 151 </a:t>
+              <a:t>It </a:t>
+            </a:r>
+            <a:r>
+              <a:rPr lang="en-US" sz="2400" dirty="0" smtClean="0"/>
+              <a:t>will grab the name of each 151 </a:t>
             </a:r>
             <a:r>
               <a:rPr lang="en-US" sz="2400" dirty="0" err="1" smtClean="0"/>
@@ -4460,7 +5157,7 @@
             </a:r>
             <a:r>
               <a:rPr lang="en-US" sz="2800" dirty="0" smtClean="0"/>
-              <a:t>.</a:t>
+              <a:t>, should the user pick Case A.</a:t>
             </a:r>
             <a:endParaRPr lang="en-US" sz="2800" dirty="0"/>
           </a:p>
@@ -4585,11 +5282,7 @@
           <a:p>
             <a:r>
               <a:rPr lang="en-US" sz="1800" b="1" u="sng" dirty="0" smtClean="0"/>
-              <a:t>Case </a:t>
-            </a:r>
-            <a:r>
-              <a:rPr lang="en-US" sz="1800" b="1" u="sng" dirty="0" smtClean="0"/>
-              <a:t>A.) </a:t>
+              <a:t>Case A.) </a:t>
             </a:r>
             <a:r>
               <a:rPr lang="en-US" sz="1800" b="1" u="sng" dirty="0" err="1" smtClean="0"/>
@@ -4677,34 +5370,6 @@
           <a:chExt cx="0" cy="0"/>
         </a:xfrm>
       </p:grpSpPr>
-      <p:pic>
-        <p:nvPicPr>
-          <p:cNvPr id="2" name="Content Placeholder 1" descr="Screen Shot 2015-05-08 at 1.24.09 PM.png"/>
-          <p:cNvPicPr>
-            <a:picLocks noGrp="1" noChangeAspect="1"/>
-          </p:cNvPicPr>
-          <p:nvPr>
-            <p:ph idx="1"/>
-          </p:nvPr>
-        </p:nvPicPr>
-        <p:blipFill rotWithShape="1">
-          <a:blip r:embed="rId2">
-            <a:extLst>
-              <a:ext uri="{28A0092B-C50C-407E-A947-70E740481C1C}">
-                <a14:useLocalDpi xmlns:a14="http://schemas.microsoft.com/office/drawing/2010/main" val="0"/>
-              </a:ext>
-            </a:extLst>
-          </a:blip>
-          <a:srcRect t="-5290" b="-12611"/>
-          <a:stretch/>
-        </p:blipFill>
-        <p:spPr>
-          <a:xfrm>
-            <a:off x="3575050" y="1181100"/>
-            <a:ext cx="5270500" cy="5378450"/>
-          </a:xfrm>
-        </p:spPr>
-      </p:pic>
       <p:sp>
         <p:nvSpPr>
           <p:cNvPr id="6" name="Text Placeholder 5"/>
@@ -4728,21 +5393,10 @@
           <a:lstStyle/>
           <a:p>
             <a:r>
-              <a:rPr lang="en-US" sz="1800" b="1" u="sng" dirty="0" smtClean="0"/>
-              <a:t>Case </a:t>
-            </a:r>
-            <a:r>
-              <a:rPr lang="en-US" sz="1800" b="1" u="sng" dirty="0" smtClean="0"/>
-              <a:t>B.) </a:t>
-            </a:r>
-            <a:r>
-              <a:rPr lang="en-US" sz="1800" b="1" u="sng" dirty="0" err="1" smtClean="0"/>
-              <a:t>Pokemon</a:t>
-            </a:r>
-            <a:r>
-              <a:rPr lang="en-US" sz="1800" b="1" u="sng" dirty="0" smtClean="0"/>
-              <a:t> Party</a:t>
-            </a:r>
+              <a:rPr lang="en-US" sz="3600" b="1" u="sng" dirty="0" smtClean="0"/>
+              <a:t>Txt File</a:t>
+            </a:r>
+            <a:endParaRPr lang="en-US" sz="3600" b="1" u="sng" dirty="0" smtClean="0"/>
           </a:p>
           <a:p>
             <a:pPr marL="285750" indent="-285750">
@@ -4750,34 +5404,28 @@
               <a:buChar char="•"/>
             </a:pPr>
             <a:r>
-              <a:rPr lang="en-US" sz="2400" dirty="0" smtClean="0"/>
-              <a:t>When we choose case B,</a:t>
-            </a:r>
-            <a:r>
-              <a:rPr lang="en-US" sz="2400" dirty="0"/>
+              <a:rPr lang="en-US" sz="3200" dirty="0" smtClean="0"/>
+              <a:t>Here is an example of what the txt file looks like</a:t>
+            </a:r>
+          </a:p>
+          <a:p>
+            <a:pPr marL="285750" indent="-285750">
+              <a:buFont typeface="Arial"/>
+              <a:buChar char="•"/>
+            </a:pPr>
+            <a:r>
+              <a:rPr lang="en-US" sz="3200" dirty="0" smtClean="0"/>
+              <a:t>Lists:</a:t>
+            </a:r>
+            <a:r>
+              <a:rPr lang="en-US" sz="3200" dirty="0"/>
               <a:t> </a:t>
             </a:r>
             <a:r>
-              <a:rPr lang="en-US" sz="2400" dirty="0" err="1" smtClean="0"/>
-              <a:t>pokemon</a:t>
-            </a:r>
-            <a:r>
-              <a:rPr lang="en-US" sz="2400" dirty="0" smtClean="0"/>
-              <a:t> party function will be called which randomly selects 6 </a:t>
-            </a:r>
-            <a:r>
-              <a:rPr lang="en-US" sz="2400" dirty="0" err="1"/>
-              <a:t>P</a:t>
-            </a:r>
-            <a:r>
-              <a:rPr lang="en-US" sz="2400" dirty="0" err="1" smtClean="0"/>
-              <a:t>okemon</a:t>
-            </a:r>
-            <a:r>
-              <a:rPr lang="en-US" sz="2400" dirty="0" smtClean="0"/>
-              <a:t> for our party. Also uses queue’s.</a:t>
-            </a:r>
-            <a:endParaRPr lang="en-US" sz="2400" dirty="0" smtClean="0"/>
+              <a:rPr lang="en-US" sz="3200" dirty="0" smtClean="0"/>
+              <a:t>Number, Name, and Type</a:t>
+            </a:r>
+            <a:endParaRPr lang="en-US" sz="3200" dirty="0"/>
           </a:p>
         </p:txBody>
       </p:sp>
@@ -4790,7 +5438,7 @@
           <p:nvPr/>
         </p:nvPicPr>
         <p:blipFill>
-          <a:blip r:embed="rId3">
+          <a:blip r:embed="rId2">
             <a:extLst>
               <a:ext uri="{28A0092B-C50C-407E-A947-70E740481C1C}">
                 <a14:useLocalDpi xmlns:a14="http://schemas.microsoft.com/office/drawing/2010/main" val="0"/>
@@ -4811,10 +5459,38 @@
           </a:prstGeom>
         </p:spPr>
       </p:pic>
+      <p:pic>
+        <p:nvPicPr>
+          <p:cNvPr id="5" name="Content Placeholder 4" descr="Screen Shot 2015-05-13 at 9.49.58 AM.png"/>
+          <p:cNvPicPr>
+            <a:picLocks noGrp="1" noChangeAspect="1"/>
+          </p:cNvPicPr>
+          <p:nvPr>
+            <p:ph idx="1"/>
+          </p:nvPr>
+        </p:nvPicPr>
+        <p:blipFill rotWithShape="1">
+          <a:blip r:embed="rId3">
+            <a:extLst>
+              <a:ext uri="{28A0092B-C50C-407E-A947-70E740481C1C}">
+                <a14:useLocalDpi xmlns:a14="http://schemas.microsoft.com/office/drawing/2010/main" val="0"/>
+              </a:ext>
+            </a:extLst>
+          </a:blip>
+          <a:srcRect l="-24960" r="-24960" b="8327"/>
+          <a:stretch/>
+        </p:blipFill>
+        <p:spPr>
+          <a:xfrm>
+            <a:off x="3666490" y="1181652"/>
+            <a:ext cx="5111750" cy="5365749"/>
+          </a:xfrm>
+        </p:spPr>
+      </p:pic>
     </p:spTree>
     <p:extLst>
       <p:ext uri="{BB962C8B-B14F-4D97-AF65-F5344CB8AC3E}">
-        <p14:creationId xmlns:p14="http://schemas.microsoft.com/office/powerpoint/2010/main" val="2146455088"/>
+        <p14:creationId xmlns:p14="http://schemas.microsoft.com/office/powerpoint/2010/main" val="3099133987"/>
       </p:ext>
     </p:extLst>
   </p:cSld>
@@ -4848,6 +5524,34 @@
           <a:chExt cx="0" cy="0"/>
         </a:xfrm>
       </p:grpSpPr>
+      <p:pic>
+        <p:nvPicPr>
+          <p:cNvPr id="2" name="Content Placeholder 1" descr="Screen Shot 2015-05-08 at 1.24.09 PM.png"/>
+          <p:cNvPicPr>
+            <a:picLocks noGrp="1" noChangeAspect="1"/>
+          </p:cNvPicPr>
+          <p:nvPr>
+            <p:ph idx="1"/>
+          </p:nvPr>
+        </p:nvPicPr>
+        <p:blipFill rotWithShape="1">
+          <a:blip r:embed="rId2">
+            <a:extLst>
+              <a:ext uri="{28A0092B-C50C-407E-A947-70E740481C1C}">
+                <a14:useLocalDpi xmlns:a14="http://schemas.microsoft.com/office/drawing/2010/main" val="0"/>
+              </a:ext>
+            </a:extLst>
+          </a:blip>
+          <a:srcRect t="-5290" b="-12611"/>
+          <a:stretch/>
+        </p:blipFill>
+        <p:spPr>
+          <a:xfrm>
+            <a:off x="3575050" y="1181100"/>
+            <a:ext cx="5270500" cy="5378450"/>
+          </a:xfrm>
+        </p:spPr>
+      </p:pic>
       <p:sp>
         <p:nvSpPr>
           <p:cNvPr id="6" name="Text Placeholder 5"/>
@@ -4871,19 +5575,15 @@
           <a:lstStyle/>
           <a:p>
             <a:r>
-              <a:rPr lang="en-US" sz="2800" b="1" u="sng" dirty="0" smtClean="0"/>
-              <a:t>Case </a:t>
-            </a:r>
-            <a:r>
-              <a:rPr lang="en-US" sz="2800" b="1" u="sng" dirty="0" smtClean="0"/>
-              <a:t>B.) </a:t>
-            </a:r>
-            <a:r>
-              <a:rPr lang="en-US" sz="2800" b="1" u="sng" dirty="0" err="1" smtClean="0"/>
+              <a:rPr lang="en-US" sz="1800" b="1" u="sng" dirty="0" smtClean="0"/>
+              <a:t>Case B.) </a:t>
+            </a:r>
+            <a:r>
+              <a:rPr lang="en-US" sz="1800" b="1" u="sng" dirty="0" err="1" smtClean="0"/>
               <a:t>Pokemon</a:t>
             </a:r>
             <a:r>
-              <a:rPr lang="en-US" sz="2800" b="1" u="sng" dirty="0" smtClean="0"/>
+              <a:rPr lang="en-US" sz="1800" b="1" u="sng" dirty="0" smtClean="0"/>
               <a:t> Party</a:t>
             </a:r>
           </a:p>
@@ -4893,24 +5593,33 @@
               <a:buChar char="•"/>
             </a:pPr>
             <a:r>
-              <a:rPr lang="en-US" sz="2800" dirty="0" smtClean="0"/>
-              <a:t>Queu</a:t>
-            </a:r>
-            <a:r>
-              <a:rPr lang="en-US" sz="2800" dirty="0" smtClean="0"/>
-              <a:t>e class and its </a:t>
-            </a:r>
-            <a:r>
-              <a:rPr lang="en-US" sz="2800" dirty="0" err="1" smtClean="0"/>
-              <a:t>funtions</a:t>
-            </a:r>
-            <a:endParaRPr lang="en-US" sz="2800" dirty="0" smtClean="0"/>
-          </a:p>
-          <a:p>
-            <a:endParaRPr lang="en-US" sz="1800" b="1" u="sng" dirty="0"/>
-          </a:p>
-          <a:p>
-            <a:endParaRPr lang="en-US" sz="1800" b="1" u="sng" dirty="0" smtClean="0"/>
+              <a:rPr lang="en-US" sz="2400" dirty="0" smtClean="0"/>
+              <a:t>When we choose case B,</a:t>
+            </a:r>
+            <a:r>
+              <a:rPr lang="en-US" sz="2400" dirty="0"/>
+              <a:t> </a:t>
+            </a:r>
+            <a:r>
+              <a:rPr lang="en-US" sz="2400" dirty="0" err="1" smtClean="0"/>
+              <a:t>pokemon</a:t>
+            </a:r>
+            <a:r>
+              <a:rPr lang="en-US" sz="2400" dirty="0" smtClean="0"/>
+              <a:t> party function will be called which randomly selects 6 </a:t>
+            </a:r>
+            <a:r>
+              <a:rPr lang="en-US" sz="2400" dirty="0" err="1"/>
+              <a:t>P</a:t>
+            </a:r>
+            <a:r>
+              <a:rPr lang="en-US" sz="2400" dirty="0" err="1" smtClean="0"/>
+              <a:t>okemon</a:t>
+            </a:r>
+            <a:r>
+              <a:rPr lang="en-US" sz="2400" dirty="0" smtClean="0"/>
+              <a:t> for our party. Also uses queue’s.</a:t>
+            </a:r>
           </a:p>
         </p:txBody>
       </p:sp>
@@ -4923,7 +5632,7 @@
           <p:nvPr/>
         </p:nvPicPr>
         <p:blipFill>
-          <a:blip r:embed="rId2">
+          <a:blip r:embed="rId3">
             <a:extLst>
               <a:ext uri="{28A0092B-C50C-407E-A947-70E740481C1C}">
                 <a14:useLocalDpi xmlns:a14="http://schemas.microsoft.com/office/drawing/2010/main" val="0"/>
@@ -4944,35 +5653,10 @@
           </a:prstGeom>
         </p:spPr>
       </p:pic>
-      <p:pic>
-        <p:nvPicPr>
-          <p:cNvPr id="5" name="Content Placeholder 4" descr="Screen Shot 2015-05-08 at 2.00.41 PM.png"/>
-          <p:cNvPicPr>
-            <a:picLocks noGrp="1" noChangeAspect="1"/>
-          </p:cNvPicPr>
-          <p:nvPr>
-            <p:ph idx="1"/>
-          </p:nvPr>
-        </p:nvPicPr>
-        <p:blipFill>
-          <a:blip r:embed="rId3">
-            <a:extLst>
-              <a:ext uri="{28A0092B-C50C-407E-A947-70E740481C1C}">
-                <a14:useLocalDpi xmlns:a14="http://schemas.microsoft.com/office/drawing/2010/main" val="0"/>
-              </a:ext>
-            </a:extLst>
-          </a:blip>
-          <a:srcRect t="-26491" b="-26491"/>
-          <a:stretch>
-            <a:fillRect/>
-          </a:stretch>
-        </p:blipFill>
-        <p:spPr/>
-      </p:pic>
     </p:spTree>
     <p:extLst>
       <p:ext uri="{BB962C8B-B14F-4D97-AF65-F5344CB8AC3E}">
-        <p14:creationId xmlns:p14="http://schemas.microsoft.com/office/powerpoint/2010/main" val="2106506496"/>
+        <p14:creationId xmlns:p14="http://schemas.microsoft.com/office/powerpoint/2010/main" val="2146455088"/>
       </p:ext>
     </p:extLst>
   </p:cSld>
